--- a/OData/Degreed/SAP Gateway - Day 1.pptx
+++ b/OData/Degreed/SAP Gateway - Day 1.pptx
@@ -264,7 +264,7 @@
             <a:fld id="{86C988DC-9DE3-4390-97AB-D61B85DACE57}" type="datetimeFigureOut">
               <a:rPr lang="pt-PT" sz="900" smtClean="0"/>
               <a:pPr/>
-              <a:t>13/08/2024</a:t>
+              <a:t>14/08/2024</a:t>
             </a:fld>
             <a:endParaRPr lang="pt-PT" sz="900"/>
           </a:p>
@@ -443,7 +443,7 @@
             <a:fld id="{0835B8F7-DAC4-4931-8AED-4356A8B2FD64}" type="datetimeFigureOut">
               <a:rPr lang="pt-BR" smtClean="0"/>
               <a:pPr/>
-              <a:t>13/08/2024</a:t>
+              <a:t>14/08/2024</a:t>
             </a:fld>
             <a:endParaRPr lang="pt-BR"/>
           </a:p>
@@ -3522,704 +3522,6 @@
 
 <file path=ppt/slideLayouts/slideLayout6.xml><?xml version="1.0" encoding="utf-8"?>
 <p:sldLayout xmlns:a="http://schemas.openxmlformats.org/drawingml/2006/main" xmlns:r="http://schemas.openxmlformats.org/officeDocument/2006/relationships" xmlns:p="http://schemas.openxmlformats.org/presentationml/2006/main" preserve="1" userDrawn="1">
-  <p:cSld name="Content-Single Profile">
-    <p:spTree>
-      <p:nvGrpSpPr>
-        <p:cNvPr id="1" name=""/>
-        <p:cNvGrpSpPr/>
-        <p:nvPr/>
-      </p:nvGrpSpPr>
-      <p:grpSpPr>
-        <a:xfrm>
-          <a:off x="0" y="0"/>
-          <a:ext cx="0" cy="0"/>
-          <a:chOff x="0" y="0"/>
-          <a:chExt cx="0" cy="0"/>
-        </a:xfrm>
-      </p:grpSpPr>
-      <p:sp>
-        <p:nvSpPr>
-          <p:cNvPr id="12" name="Freeform: Shape 11">
-            <a:extLst>
-              <a:ext uri="{FF2B5EF4-FFF2-40B4-BE49-F238E27FC236}">
-                <a16:creationId xmlns:a16="http://schemas.microsoft.com/office/drawing/2014/main" id="{F5F5AEA1-6A77-4676-B8B3-EF658F5F8430}"/>
-              </a:ext>
-            </a:extLst>
-          </p:cNvPr>
-          <p:cNvSpPr/>
-          <p:nvPr userDrawn="1"/>
-        </p:nvSpPr>
-        <p:spPr>
-          <a:xfrm flipV="1">
-            <a:off x="1" y="0"/>
-            <a:ext cx="5204012" cy="3119718"/>
-          </a:xfrm>
-          <a:custGeom>
-            <a:avLst/>
-            <a:gdLst>
-              <a:gd name="connsiteX0" fmla="*/ 2836724 w 6262141"/>
-              <a:gd name="connsiteY0" fmla="*/ 775 h 4159686"/>
-              <a:gd name="connsiteX1" fmla="*/ 3822188 w 6262141"/>
-              <a:gd name="connsiteY1" fmla="*/ 22965 h 4159686"/>
-              <a:gd name="connsiteX2" fmla="*/ 5982756 w 6262141"/>
-              <a:gd name="connsiteY2" fmla="*/ 3706589 h 4159686"/>
-              <a:gd name="connsiteX3" fmla="*/ 6262141 w 6262141"/>
-              <a:gd name="connsiteY3" fmla="*/ 4159686 h 4159686"/>
-              <a:gd name="connsiteX4" fmla="*/ 0 w 6262141"/>
-              <a:gd name="connsiteY4" fmla="*/ 4159686 h 4159686"/>
-              <a:gd name="connsiteX5" fmla="*/ 0 w 6262141"/>
-              <a:gd name="connsiteY5" fmla="*/ 3700458 h 4159686"/>
-              <a:gd name="connsiteX6" fmla="*/ 0 w 6262141"/>
-              <a:gd name="connsiteY6" fmla="*/ 3329154 h 4159686"/>
-              <a:gd name="connsiteX7" fmla="*/ 0 w 6262141"/>
-              <a:gd name="connsiteY7" fmla="*/ 2944589 h 4159686"/>
-              <a:gd name="connsiteX8" fmla="*/ 0 w 6262141"/>
-              <a:gd name="connsiteY8" fmla="*/ 2546533 h 4159686"/>
-              <a:gd name="connsiteX9" fmla="*/ 0 w 6262141"/>
-              <a:gd name="connsiteY9" fmla="*/ 2134752 h 4159686"/>
-              <a:gd name="connsiteX10" fmla="*/ 0 w 6262141"/>
-              <a:gd name="connsiteY10" fmla="*/ 1709014 h 4159686"/>
-              <a:gd name="connsiteX11" fmla="*/ 0 w 6262141"/>
-              <a:gd name="connsiteY11" fmla="*/ 1269085 h 4159686"/>
-              <a:gd name="connsiteX12" fmla="*/ 0 w 6262141"/>
-              <a:gd name="connsiteY12" fmla="*/ 814735 h 4159686"/>
-              <a:gd name="connsiteX13" fmla="*/ 0 w 6262141"/>
-              <a:gd name="connsiteY13" fmla="*/ 345728 h 4159686"/>
-              <a:gd name="connsiteX14" fmla="*/ 2836724 w 6262141"/>
-              <a:gd name="connsiteY14" fmla="*/ 775 h 4159686"/>
-            </a:gdLst>
-            <a:ahLst/>
-            <a:cxnLst>
-              <a:cxn ang="0">
-                <a:pos x="connsiteX0" y="connsiteY0"/>
-              </a:cxn>
-              <a:cxn ang="0">
-                <a:pos x="connsiteX1" y="connsiteY1"/>
-              </a:cxn>
-              <a:cxn ang="0">
-                <a:pos x="connsiteX2" y="connsiteY2"/>
-              </a:cxn>
-              <a:cxn ang="0">
-                <a:pos x="connsiteX3" y="connsiteY3"/>
-              </a:cxn>
-              <a:cxn ang="0">
-                <a:pos x="connsiteX4" y="connsiteY4"/>
-              </a:cxn>
-              <a:cxn ang="0">
-                <a:pos x="connsiteX5" y="connsiteY5"/>
-              </a:cxn>
-              <a:cxn ang="0">
-                <a:pos x="connsiteX6" y="connsiteY6"/>
-              </a:cxn>
-              <a:cxn ang="0">
-                <a:pos x="connsiteX7" y="connsiteY7"/>
-              </a:cxn>
-              <a:cxn ang="0">
-                <a:pos x="connsiteX8" y="connsiteY8"/>
-              </a:cxn>
-              <a:cxn ang="0">
-                <a:pos x="connsiteX9" y="connsiteY9"/>
-              </a:cxn>
-              <a:cxn ang="0">
-                <a:pos x="connsiteX10" y="connsiteY10"/>
-              </a:cxn>
-              <a:cxn ang="0">
-                <a:pos x="connsiteX11" y="connsiteY11"/>
-              </a:cxn>
-              <a:cxn ang="0">
-                <a:pos x="connsiteX12" y="connsiteY12"/>
-              </a:cxn>
-              <a:cxn ang="0">
-                <a:pos x="connsiteX13" y="connsiteY13"/>
-              </a:cxn>
-              <a:cxn ang="0">
-                <a:pos x="connsiteX14" y="connsiteY14"/>
-              </a:cxn>
-            </a:cxnLst>
-            <a:rect l="l" t="t" r="r" b="b"/>
-            <a:pathLst>
-              <a:path w="6262141" h="4159686">
-                <a:moveTo>
-                  <a:pt x="2836724" y="775"/>
-                </a:moveTo>
-                <a:cubicBezTo>
-                  <a:pt x="3163345" y="-2587"/>
-                  <a:pt x="3492318" y="5034"/>
-                  <a:pt x="3822188" y="22965"/>
-                </a:cubicBezTo>
-                <a:cubicBezTo>
-                  <a:pt x="4104550" y="1058496"/>
-                  <a:pt x="5095168" y="2317803"/>
-                  <a:pt x="5982756" y="3706589"/>
-                </a:cubicBezTo>
-                <a:lnTo>
-                  <a:pt x="6262141" y="4159686"/>
-                </a:lnTo>
-                <a:lnTo>
-                  <a:pt x="0" y="4159686"/>
-                </a:lnTo>
-                <a:lnTo>
-                  <a:pt x="0" y="3700458"/>
-                </a:lnTo>
-                <a:lnTo>
-                  <a:pt x="0" y="3329154"/>
-                </a:lnTo>
-                <a:lnTo>
-                  <a:pt x="0" y="2944589"/>
-                </a:lnTo>
-                <a:lnTo>
-                  <a:pt x="0" y="2546533"/>
-                </a:lnTo>
-                <a:lnTo>
-                  <a:pt x="0" y="2134752"/>
-                </a:lnTo>
-                <a:lnTo>
-                  <a:pt x="0" y="1709014"/>
-                </a:lnTo>
-                <a:lnTo>
-                  <a:pt x="0" y="1269085"/>
-                </a:lnTo>
-                <a:lnTo>
-                  <a:pt x="0" y="814735"/>
-                </a:lnTo>
-                <a:lnTo>
-                  <a:pt x="0" y="345728"/>
-                </a:lnTo>
-                <a:cubicBezTo>
-                  <a:pt x="898178" y="119794"/>
-                  <a:pt x="1856863" y="10862"/>
-                  <a:pt x="2836724" y="775"/>
-                </a:cubicBezTo>
-                <a:close/>
-              </a:path>
-            </a:pathLst>
-          </a:custGeom>
-          <a:solidFill>
-            <a:srgbClr val="12ABDB"/>
-          </a:solidFill>
-          <a:ln>
-            <a:noFill/>
-          </a:ln>
-        </p:spPr>
-        <p:style>
-          <a:lnRef idx="2">
-            <a:schemeClr val="accent1">
-              <a:shade val="50000"/>
-            </a:schemeClr>
-          </a:lnRef>
-          <a:fillRef idx="1">
-            <a:schemeClr val="accent1"/>
-          </a:fillRef>
-          <a:effectRef idx="0">
-            <a:schemeClr val="accent1"/>
-          </a:effectRef>
-          <a:fontRef idx="minor">
-            <a:schemeClr val="lt1"/>
-          </a:fontRef>
-        </p:style>
-        <p:txBody>
-          <a:bodyPr rtlCol="0" anchor="ctr"/>
-          <a:lstStyle/>
-          <a:p>
-            <a:pPr algn="ctr"/>
-            <a:endParaRPr lang="pt-PT" dirty="0"/>
-          </a:p>
-        </p:txBody>
-      </p:sp>
-      <p:sp>
-        <p:nvSpPr>
-          <p:cNvPr id="26" name="Text Placeholder 4">
-            <a:extLst>
-              <a:ext uri="{FF2B5EF4-FFF2-40B4-BE49-F238E27FC236}">
-                <a16:creationId xmlns:a16="http://schemas.microsoft.com/office/drawing/2014/main" id="{7E551D69-F21D-4601-B4BD-97ECB52F39D6}"/>
-              </a:ext>
-            </a:extLst>
-          </p:cNvPr>
-          <p:cNvSpPr>
-            <a:spLocks noGrp="1"/>
-          </p:cNvSpPr>
-          <p:nvPr>
-            <p:ph type="body" sz="quarter" idx="14" hasCustomPrompt="1"/>
-          </p:nvPr>
-        </p:nvSpPr>
-        <p:spPr>
-          <a:xfrm>
-            <a:off x="783129" y="5278426"/>
-            <a:ext cx="3296647" cy="331986"/>
-          </a:xfrm>
-          <a:prstGeom prst="rect">
-            <a:avLst/>
-          </a:prstGeom>
-          <a:noFill/>
-        </p:spPr>
-        <p:txBody>
-          <a:bodyPr anchor="ctr">
-            <a:noAutofit/>
-          </a:bodyPr>
-          <a:lstStyle>
-            <a:lvl1pPr algn="l">
-              <a:defRPr sz="1600" b="1">
-                <a:solidFill>
-                  <a:schemeClr val="accent2"/>
-                </a:solidFill>
-              </a:defRPr>
-            </a:lvl1pPr>
-            <a:lvl2pPr>
-              <a:defRPr sz="1400"/>
-            </a:lvl2pPr>
-            <a:lvl3pPr>
-              <a:defRPr sz="1200"/>
-            </a:lvl3pPr>
-            <a:lvl4pPr>
-              <a:defRPr sz="1100"/>
-            </a:lvl4pPr>
-            <a:lvl5pPr>
-              <a:defRPr sz="1100"/>
-            </a:lvl5pPr>
-          </a:lstStyle>
-          <a:p>
-            <a:pPr lvl="0"/>
-            <a:r>
-              <a:rPr lang="en-US" dirty="0"/>
-              <a:t>Insert education </a:t>
-            </a:r>
-          </a:p>
-        </p:txBody>
-      </p:sp>
-      <p:sp>
-        <p:nvSpPr>
-          <p:cNvPr id="23" name="Text Placeholder 4">
-            <a:extLst>
-              <a:ext uri="{FF2B5EF4-FFF2-40B4-BE49-F238E27FC236}">
-                <a16:creationId xmlns:a16="http://schemas.microsoft.com/office/drawing/2014/main" id="{BC359575-5CC3-4B2F-91E7-19D6A150BE7B}"/>
-              </a:ext>
-            </a:extLst>
-          </p:cNvPr>
-          <p:cNvSpPr>
-            <a:spLocks noGrp="1"/>
-          </p:cNvSpPr>
-          <p:nvPr>
-            <p:ph type="body" sz="quarter" idx="13" hasCustomPrompt="1"/>
-          </p:nvPr>
-        </p:nvSpPr>
-        <p:spPr>
-          <a:xfrm>
-            <a:off x="783129" y="3916350"/>
-            <a:ext cx="3296647" cy="412363"/>
-          </a:xfrm>
-          <a:prstGeom prst="rect">
-            <a:avLst/>
-          </a:prstGeom>
-          <a:noFill/>
-        </p:spPr>
-        <p:txBody>
-          <a:bodyPr anchor="ctr">
-            <a:noAutofit/>
-          </a:bodyPr>
-          <a:lstStyle>
-            <a:lvl1pPr algn="l">
-              <a:defRPr sz="2000" b="1">
-                <a:solidFill>
-                  <a:schemeClr val="accent2"/>
-                </a:solidFill>
-              </a:defRPr>
-            </a:lvl1pPr>
-            <a:lvl2pPr>
-              <a:defRPr sz="1400"/>
-            </a:lvl2pPr>
-            <a:lvl3pPr>
-              <a:defRPr sz="1200"/>
-            </a:lvl3pPr>
-            <a:lvl4pPr>
-              <a:defRPr sz="1100"/>
-            </a:lvl4pPr>
-            <a:lvl5pPr>
-              <a:defRPr sz="1100"/>
-            </a:lvl5pPr>
-          </a:lstStyle>
-          <a:p>
-            <a:pPr lvl="0"/>
-            <a:r>
-              <a:rPr lang="en-US" dirty="0"/>
-              <a:t>Insert Name</a:t>
-            </a:r>
-          </a:p>
-        </p:txBody>
-      </p:sp>
-      <p:sp>
-        <p:nvSpPr>
-          <p:cNvPr id="24" name="Text Placeholder 7">
-            <a:extLst>
-              <a:ext uri="{FF2B5EF4-FFF2-40B4-BE49-F238E27FC236}">
-                <a16:creationId xmlns:a16="http://schemas.microsoft.com/office/drawing/2014/main" id="{53745724-67BB-4475-9660-FEEE12268615}"/>
-              </a:ext>
-            </a:extLst>
-          </p:cNvPr>
-          <p:cNvSpPr>
-            <a:spLocks noGrp="1"/>
-          </p:cNvSpPr>
-          <p:nvPr>
-            <p:ph type="body" sz="quarter" idx="10" hasCustomPrompt="1"/>
-          </p:nvPr>
-        </p:nvSpPr>
-        <p:spPr>
-          <a:xfrm>
-            <a:off x="782081" y="4344097"/>
-            <a:ext cx="3304144" cy="894840"/>
-          </a:xfrm>
-          <a:prstGeom prst="rect">
-            <a:avLst/>
-          </a:prstGeom>
-        </p:spPr>
-        <p:txBody>
-          <a:bodyPr>
-            <a:noAutofit/>
-          </a:bodyPr>
-          <a:lstStyle>
-            <a:lvl1pPr>
-              <a:lnSpc>
-                <a:spcPct val="100000"/>
-              </a:lnSpc>
-              <a:defRPr sz="1400">
-                <a:solidFill>
-                  <a:schemeClr val="tx1"/>
-                </a:solidFill>
-              </a:defRPr>
-            </a:lvl1pPr>
-            <a:lvl2pPr>
-              <a:lnSpc>
-                <a:spcPct val="100000"/>
-              </a:lnSpc>
-              <a:defRPr sz="1400"/>
-            </a:lvl2pPr>
-            <a:lvl3pPr>
-              <a:lnSpc>
-                <a:spcPct val="100000"/>
-              </a:lnSpc>
-              <a:defRPr sz="1400"/>
-            </a:lvl3pPr>
-            <a:lvl4pPr>
-              <a:lnSpc>
-                <a:spcPct val="100000"/>
-              </a:lnSpc>
-              <a:defRPr sz="1400"/>
-            </a:lvl4pPr>
-            <a:lvl5pPr>
-              <a:lnSpc>
-                <a:spcPct val="100000"/>
-              </a:lnSpc>
-              <a:defRPr sz="1400"/>
-            </a:lvl5pPr>
-          </a:lstStyle>
-          <a:p>
-            <a:pPr lvl="0"/>
-            <a:r>
-              <a:rPr lang="en-US" dirty="0"/>
-              <a:t>Insert text</a:t>
-            </a:r>
-          </a:p>
-        </p:txBody>
-      </p:sp>
-      <p:sp>
-        <p:nvSpPr>
-          <p:cNvPr id="27" name="Text Placeholder 7">
-            <a:extLst>
-              <a:ext uri="{FF2B5EF4-FFF2-40B4-BE49-F238E27FC236}">
-                <a16:creationId xmlns:a16="http://schemas.microsoft.com/office/drawing/2014/main" id="{C78431F2-3F85-4748-A6BC-A08250A6D354}"/>
-              </a:ext>
-            </a:extLst>
-          </p:cNvPr>
-          <p:cNvSpPr>
-            <a:spLocks noGrp="1"/>
-          </p:cNvSpPr>
-          <p:nvPr>
-            <p:ph type="body" sz="quarter" idx="15" hasCustomPrompt="1"/>
-          </p:nvPr>
-        </p:nvSpPr>
-        <p:spPr>
-          <a:xfrm>
-            <a:off x="782081" y="5601397"/>
-            <a:ext cx="3297695" cy="713864"/>
-          </a:xfrm>
-          <a:prstGeom prst="rect">
-            <a:avLst/>
-          </a:prstGeom>
-        </p:spPr>
-        <p:txBody>
-          <a:bodyPr>
-            <a:noAutofit/>
-          </a:bodyPr>
-          <a:lstStyle>
-            <a:lvl1pPr>
-              <a:lnSpc>
-                <a:spcPct val="100000"/>
-              </a:lnSpc>
-              <a:defRPr sz="1400">
-                <a:solidFill>
-                  <a:schemeClr val="tx1"/>
-                </a:solidFill>
-              </a:defRPr>
-            </a:lvl1pPr>
-            <a:lvl2pPr>
-              <a:lnSpc>
-                <a:spcPct val="100000"/>
-              </a:lnSpc>
-              <a:defRPr sz="1400"/>
-            </a:lvl2pPr>
-            <a:lvl3pPr>
-              <a:lnSpc>
-                <a:spcPct val="100000"/>
-              </a:lnSpc>
-              <a:defRPr sz="1400"/>
-            </a:lvl3pPr>
-            <a:lvl4pPr>
-              <a:lnSpc>
-                <a:spcPct val="100000"/>
-              </a:lnSpc>
-              <a:defRPr sz="1400"/>
-            </a:lvl4pPr>
-            <a:lvl5pPr>
-              <a:lnSpc>
-                <a:spcPct val="100000"/>
-              </a:lnSpc>
-              <a:defRPr sz="1400"/>
-            </a:lvl5pPr>
-          </a:lstStyle>
-          <a:p>
-            <a:pPr lvl="0"/>
-            <a:r>
-              <a:rPr lang="en-US" dirty="0"/>
-              <a:t>Insert text</a:t>
-            </a:r>
-          </a:p>
-        </p:txBody>
-      </p:sp>
-      <p:sp>
-        <p:nvSpPr>
-          <p:cNvPr id="13" name="Oval 20">
-            <a:extLst>
-              <a:ext uri="{FF2B5EF4-FFF2-40B4-BE49-F238E27FC236}">
-                <a16:creationId xmlns:a16="http://schemas.microsoft.com/office/drawing/2014/main" id="{1EFB3510-D39A-47CF-8191-109DDF9E53D5}"/>
-              </a:ext>
-            </a:extLst>
-          </p:cNvPr>
-          <p:cNvSpPr/>
-          <p:nvPr userDrawn="1"/>
-        </p:nvSpPr>
-        <p:spPr>
-          <a:xfrm>
-            <a:off x="1381192" y="1147034"/>
-            <a:ext cx="2609222" cy="2465696"/>
-          </a:xfrm>
-          <a:custGeom>
-            <a:avLst/>
-            <a:gdLst>
-              <a:gd name="connsiteX0" fmla="*/ 0 w 3314251"/>
-              <a:gd name="connsiteY0" fmla="*/ 1564410 h 3128820"/>
-              <a:gd name="connsiteX1" fmla="*/ 1657126 w 3314251"/>
-              <a:gd name="connsiteY1" fmla="*/ 0 h 3128820"/>
-              <a:gd name="connsiteX2" fmla="*/ 3314252 w 3314251"/>
-              <a:gd name="connsiteY2" fmla="*/ 1564410 h 3128820"/>
-              <a:gd name="connsiteX3" fmla="*/ 1657126 w 3314251"/>
-              <a:gd name="connsiteY3" fmla="*/ 3128820 h 3128820"/>
-              <a:gd name="connsiteX4" fmla="*/ 0 w 3314251"/>
-              <a:gd name="connsiteY4" fmla="*/ 1564410 h 3128820"/>
-              <a:gd name="connsiteX0" fmla="*/ 0 w 3314252"/>
-              <a:gd name="connsiteY0" fmla="*/ 1564410 h 3128820"/>
-              <a:gd name="connsiteX1" fmla="*/ 1657126 w 3314252"/>
-              <a:gd name="connsiteY1" fmla="*/ 0 h 3128820"/>
-              <a:gd name="connsiteX2" fmla="*/ 3314252 w 3314252"/>
-              <a:gd name="connsiteY2" fmla="*/ 1564410 h 3128820"/>
-              <a:gd name="connsiteX3" fmla="*/ 1657126 w 3314252"/>
-              <a:gd name="connsiteY3" fmla="*/ 3128820 h 3128820"/>
-              <a:gd name="connsiteX4" fmla="*/ 0 w 3314252"/>
-              <a:gd name="connsiteY4" fmla="*/ 1564410 h 3128820"/>
-              <a:gd name="connsiteX0" fmla="*/ 0 w 3314252"/>
-              <a:gd name="connsiteY0" fmla="*/ 1565821 h 3130231"/>
-              <a:gd name="connsiteX1" fmla="*/ 1657126 w 3314252"/>
-              <a:gd name="connsiteY1" fmla="*/ 1411 h 3130231"/>
-              <a:gd name="connsiteX2" fmla="*/ 3314252 w 3314252"/>
-              <a:gd name="connsiteY2" fmla="*/ 1565821 h 3130231"/>
-              <a:gd name="connsiteX3" fmla="*/ 1657126 w 3314252"/>
-              <a:gd name="connsiteY3" fmla="*/ 3130231 h 3130231"/>
-              <a:gd name="connsiteX4" fmla="*/ 0 w 3314252"/>
-              <a:gd name="connsiteY4" fmla="*/ 1565821 h 3130231"/>
-              <a:gd name="connsiteX0" fmla="*/ 0 w 3314252"/>
-              <a:gd name="connsiteY0" fmla="*/ 1567937 h 3132347"/>
-              <a:gd name="connsiteX1" fmla="*/ 1657126 w 3314252"/>
-              <a:gd name="connsiteY1" fmla="*/ 3527 h 3132347"/>
-              <a:gd name="connsiteX2" fmla="*/ 3314252 w 3314252"/>
-              <a:gd name="connsiteY2" fmla="*/ 1567937 h 3132347"/>
-              <a:gd name="connsiteX3" fmla="*/ 1657126 w 3314252"/>
-              <a:gd name="connsiteY3" fmla="*/ 3132347 h 3132347"/>
-              <a:gd name="connsiteX4" fmla="*/ 0 w 3314252"/>
-              <a:gd name="connsiteY4" fmla="*/ 1567937 h 3132347"/>
-              <a:gd name="connsiteX0" fmla="*/ 0 w 3314252"/>
-              <a:gd name="connsiteY0" fmla="*/ 1564505 h 3128915"/>
-              <a:gd name="connsiteX1" fmla="*/ 1657126 w 3314252"/>
-              <a:gd name="connsiteY1" fmla="*/ 95 h 3128915"/>
-              <a:gd name="connsiteX2" fmla="*/ 3314252 w 3314252"/>
-              <a:gd name="connsiteY2" fmla="*/ 1564505 h 3128915"/>
-              <a:gd name="connsiteX3" fmla="*/ 1657126 w 3314252"/>
-              <a:gd name="connsiteY3" fmla="*/ 3128915 h 3128915"/>
-              <a:gd name="connsiteX4" fmla="*/ 0 w 3314252"/>
-              <a:gd name="connsiteY4" fmla="*/ 1564505 h 3128915"/>
-              <a:gd name="connsiteX0" fmla="*/ 0 w 3314252"/>
-              <a:gd name="connsiteY0" fmla="*/ 1565503 h 3129913"/>
-              <a:gd name="connsiteX1" fmla="*/ 1657126 w 3314252"/>
-              <a:gd name="connsiteY1" fmla="*/ 1093 h 3129913"/>
-              <a:gd name="connsiteX2" fmla="*/ 3314252 w 3314252"/>
-              <a:gd name="connsiteY2" fmla="*/ 1565503 h 3129913"/>
-              <a:gd name="connsiteX3" fmla="*/ 1657126 w 3314252"/>
-              <a:gd name="connsiteY3" fmla="*/ 3129913 h 3129913"/>
-              <a:gd name="connsiteX4" fmla="*/ 0 w 3314252"/>
-              <a:gd name="connsiteY4" fmla="*/ 1565503 h 3129913"/>
-              <a:gd name="connsiteX0" fmla="*/ 0 w 3314252"/>
-              <a:gd name="connsiteY0" fmla="*/ 1564410 h 3128820"/>
-              <a:gd name="connsiteX1" fmla="*/ 1657126 w 3314252"/>
-              <a:gd name="connsiteY1" fmla="*/ 0 h 3128820"/>
-              <a:gd name="connsiteX2" fmla="*/ 3314252 w 3314252"/>
-              <a:gd name="connsiteY2" fmla="*/ 1564410 h 3128820"/>
-              <a:gd name="connsiteX3" fmla="*/ 1657126 w 3314252"/>
-              <a:gd name="connsiteY3" fmla="*/ 3128820 h 3128820"/>
-              <a:gd name="connsiteX4" fmla="*/ 0 w 3314252"/>
-              <a:gd name="connsiteY4" fmla="*/ 1564410 h 3128820"/>
-              <a:gd name="connsiteX0" fmla="*/ 0 w 3314252"/>
-              <a:gd name="connsiteY0" fmla="*/ 1564433 h 3128843"/>
-              <a:gd name="connsiteX1" fmla="*/ 1657126 w 3314252"/>
-              <a:gd name="connsiteY1" fmla="*/ 23 h 3128843"/>
-              <a:gd name="connsiteX2" fmla="*/ 3314252 w 3314252"/>
-              <a:gd name="connsiteY2" fmla="*/ 1564433 h 3128843"/>
-              <a:gd name="connsiteX3" fmla="*/ 1657126 w 3314252"/>
-              <a:gd name="connsiteY3" fmla="*/ 3128843 h 3128843"/>
-              <a:gd name="connsiteX4" fmla="*/ 0 w 3314252"/>
-              <a:gd name="connsiteY4" fmla="*/ 1564433 h 3128843"/>
-              <a:gd name="connsiteX0" fmla="*/ 0 w 3314252"/>
-              <a:gd name="connsiteY0" fmla="*/ 1564433 h 3129053"/>
-              <a:gd name="connsiteX1" fmla="*/ 1657126 w 3314252"/>
-              <a:gd name="connsiteY1" fmla="*/ 23 h 3129053"/>
-              <a:gd name="connsiteX2" fmla="*/ 3314252 w 3314252"/>
-              <a:gd name="connsiteY2" fmla="*/ 1564433 h 3129053"/>
-              <a:gd name="connsiteX3" fmla="*/ 1657126 w 3314252"/>
-              <a:gd name="connsiteY3" fmla="*/ 3128843 h 3129053"/>
-              <a:gd name="connsiteX4" fmla="*/ 0 w 3314252"/>
-              <a:gd name="connsiteY4" fmla="*/ 1564433 h 3129053"/>
-              <a:gd name="connsiteX0" fmla="*/ 0 w 3314252"/>
-              <a:gd name="connsiteY0" fmla="*/ 1564433 h 3131880"/>
-              <a:gd name="connsiteX1" fmla="*/ 1657126 w 3314252"/>
-              <a:gd name="connsiteY1" fmla="*/ 23 h 3131880"/>
-              <a:gd name="connsiteX2" fmla="*/ 3314252 w 3314252"/>
-              <a:gd name="connsiteY2" fmla="*/ 1564433 h 3131880"/>
-              <a:gd name="connsiteX3" fmla="*/ 1657126 w 3314252"/>
-              <a:gd name="connsiteY3" fmla="*/ 3128843 h 3131880"/>
-              <a:gd name="connsiteX4" fmla="*/ 0 w 3314252"/>
-              <a:gd name="connsiteY4" fmla="*/ 1564433 h 3131880"/>
-              <a:gd name="connsiteX0" fmla="*/ 0 w 3314252"/>
-              <a:gd name="connsiteY0" fmla="*/ 1564433 h 3131423"/>
-              <a:gd name="connsiteX1" fmla="*/ 1657126 w 3314252"/>
-              <a:gd name="connsiteY1" fmla="*/ 23 h 3131423"/>
-              <a:gd name="connsiteX2" fmla="*/ 3314252 w 3314252"/>
-              <a:gd name="connsiteY2" fmla="*/ 1564433 h 3131423"/>
-              <a:gd name="connsiteX3" fmla="*/ 1657126 w 3314252"/>
-              <a:gd name="connsiteY3" fmla="*/ 3128843 h 3131423"/>
-              <a:gd name="connsiteX4" fmla="*/ 0 w 3314252"/>
-              <a:gd name="connsiteY4" fmla="*/ 1564433 h 3131423"/>
-            </a:gdLst>
-            <a:ahLst/>
-            <a:cxnLst>
-              <a:cxn ang="0">
-                <a:pos x="connsiteX0" y="connsiteY0"/>
-              </a:cxn>
-              <a:cxn ang="0">
-                <a:pos x="connsiteX1" y="connsiteY1"/>
-              </a:cxn>
-              <a:cxn ang="0">
-                <a:pos x="connsiteX2" y="connsiteY2"/>
-              </a:cxn>
-              <a:cxn ang="0">
-                <a:pos x="connsiteX3" y="connsiteY3"/>
-              </a:cxn>
-              <a:cxn ang="0">
-                <a:pos x="connsiteX4" y="connsiteY4"/>
-              </a:cxn>
-            </a:cxnLst>
-            <a:rect l="l" t="t" r="r" b="b"/>
-            <a:pathLst>
-              <a:path w="3314252" h="3131423">
-                <a:moveTo>
-                  <a:pt x="0" y="1564433"/>
-                </a:moveTo>
-                <a:cubicBezTo>
-                  <a:pt x="0" y="700433"/>
-                  <a:pt x="775256" y="19074"/>
-                  <a:pt x="1657126" y="23"/>
-                </a:cubicBezTo>
-                <a:cubicBezTo>
-                  <a:pt x="2639009" y="-4740"/>
-                  <a:pt x="3314252" y="700433"/>
-                  <a:pt x="3314252" y="1564433"/>
-                </a:cubicBezTo>
-                <a:cubicBezTo>
-                  <a:pt x="3314252" y="2428433"/>
-                  <a:pt x="2367543" y="3071694"/>
-                  <a:pt x="1657126" y="3128843"/>
-                </a:cubicBezTo>
-                <a:cubicBezTo>
-                  <a:pt x="665721" y="3181230"/>
-                  <a:pt x="0" y="2428433"/>
-                  <a:pt x="0" y="1564433"/>
-                </a:cubicBezTo>
-                <a:close/>
-              </a:path>
-            </a:pathLst>
-          </a:custGeom>
-          <a:solidFill>
-            <a:srgbClr val="95E616"/>
-          </a:solidFill>
-          <a:ln>
-            <a:noFill/>
-          </a:ln>
-        </p:spPr>
-        <p:style>
-          <a:lnRef idx="2">
-            <a:schemeClr val="accent1">
-              <a:shade val="50000"/>
-            </a:schemeClr>
-          </a:lnRef>
-          <a:fillRef idx="1">
-            <a:schemeClr val="accent1"/>
-          </a:fillRef>
-          <a:effectRef idx="0">
-            <a:schemeClr val="accent1"/>
-          </a:effectRef>
-          <a:fontRef idx="minor">
-            <a:schemeClr val="lt1"/>
-          </a:fontRef>
-        </p:style>
-        <p:txBody>
-          <a:bodyPr rtlCol="0" anchor="ctr"/>
-          <a:lstStyle/>
-          <a:p>
-            <a:pPr algn="ctr"/>
-            <a:endParaRPr lang="pt-PT"/>
-          </a:p>
-        </p:txBody>
-      </p:sp>
-    </p:spTree>
-    <p:extLst>
-      <p:ext uri="{BB962C8B-B14F-4D97-AF65-F5344CB8AC3E}">
-        <p14:creationId xmlns:p14="http://schemas.microsoft.com/office/powerpoint/2010/main" val="2583323676"/>
-      </p:ext>
-    </p:extLst>
-  </p:cSld>
-  <p:clrMapOvr>
-    <a:masterClrMapping/>
-  </p:clrMapOvr>
-</p:sldLayout>
-</file>
-
-<file path=ppt/slideLayouts/slideLayout7.xml><?xml version="1.0" encoding="utf-8"?>
-<p:sldLayout xmlns:a="http://schemas.openxmlformats.org/drawingml/2006/main" xmlns:r="http://schemas.openxmlformats.org/officeDocument/2006/relationships" xmlns:p="http://schemas.openxmlformats.org/presentationml/2006/main" preserve="1" userDrawn="1">
   <p:cSld name="Titre seul">
     <p:spTree>
       <p:nvGrpSpPr>
@@ -4344,7 +3646,7 @@
 </p:sldLayout>
 </file>
 
-<file path=ppt/slideLayouts/slideLayout8.xml><?xml version="1.0" encoding="utf-8"?>
+<file path=ppt/slideLayouts/slideLayout7.xml><?xml version="1.0" encoding="utf-8"?>
 <p:sldLayout xmlns:a="http://schemas.openxmlformats.org/drawingml/2006/main" xmlns:r="http://schemas.openxmlformats.org/officeDocument/2006/relationships" xmlns:p="http://schemas.openxmlformats.org/presentationml/2006/main" preserve="1" userDrawn="1">
   <p:cSld name="Vide">
     <p:spTree>
@@ -4448,7 +3750,7 @@
 </p:sldLayout>
 </file>
 
-<file path=ppt/slideLayouts/slideLayout9.xml><?xml version="1.0" encoding="utf-8"?>
+<file path=ppt/slideLayouts/slideLayout8.xml><?xml version="1.0" encoding="utf-8"?>
 <p:sldLayout xmlns:a="http://schemas.openxmlformats.org/drawingml/2006/main" xmlns:r="http://schemas.openxmlformats.org/officeDocument/2006/relationships" xmlns:p="http://schemas.openxmlformats.org/presentationml/2006/main" userDrawn="1">
   <p:cSld name="Title Only">
     <p:spTree>
@@ -4624,7 +3926,7 @@
           </p:cNvGraphicFramePr>
           <p:nvPr>
             <p:custDataLst>
-              <p:tags r:id="rId11"/>
+              <p:tags r:id="rId10"/>
             </p:custDataLst>
           </p:nvPr>
         </p:nvGraphicFramePr>
@@ -4636,12 +3938,12 @@
           <a:graphicData uri="http://schemas.openxmlformats.org/presentationml/2006/ole">
             <mc:AlternateContent xmlns:mc="http://schemas.openxmlformats.org/markup-compatibility/2006">
               <mc:Choice xmlns:v="urn:schemas-microsoft-com:vml" Requires="v">
-                <p:oleObj name="think-cell Slide" r:id="rId12" imgW="270" imgH="270" progId="TCLayout.ActiveDocument.1">
+                <p:oleObj name="think-cell Slide" r:id="rId11" imgW="270" imgH="270" progId="TCLayout.ActiveDocument.1">
                   <p:embed/>
                 </p:oleObj>
               </mc:Choice>
               <mc:Fallback>
-                <p:oleObj name="think-cell Slide" r:id="rId12" imgW="270" imgH="270" progId="TCLayout.ActiveDocument.1">
+                <p:oleObj name="think-cell Slide" r:id="rId11" imgW="270" imgH="270" progId="TCLayout.ActiveDocument.1">
                   <p:embed/>
                   <p:pic>
                     <p:nvPicPr>
@@ -4652,7 +3954,7 @@
                       <p:nvPr/>
                     </p:nvPicPr>
                     <p:blipFill>
-                      <a:blip r:embed="rId13">
+                      <a:blip r:embed="rId12">
                         <a:extLst>
                           <a:ext uri="{28A0092B-C50C-407E-A947-70E740481C1C}">
                             <a14:useLocalDpi xmlns:a14="http://schemas.microsoft.com/office/drawing/2010/main" val="0"/>
@@ -4690,279 +3992,6 @@
           </a:graphicData>
         </a:graphic>
       </p:graphicFrame>
-      <p:grpSp>
-        <p:nvGrpSpPr>
-          <p:cNvPr id="2" name="Groupe 1"/>
-          <p:cNvGrpSpPr/>
-          <p:nvPr userDrawn="1"/>
-        </p:nvGrpSpPr>
-        <p:grpSpPr>
-          <a:xfrm>
-            <a:off x="11501102" y="171573"/>
-            <a:ext cx="419436" cy="388988"/>
-            <a:chOff x="11501102" y="171573"/>
-            <a:chExt cx="419436" cy="388988"/>
-          </a:xfrm>
-        </p:grpSpPr>
-        <p:sp>
-          <p:nvSpPr>
-            <p:cNvPr id="4109" name="Freeform 13"/>
-            <p:cNvSpPr>
-              <a:spLocks/>
-            </p:cNvSpPr>
-            <p:nvPr userDrawn="1"/>
-          </p:nvSpPr>
-          <p:spPr bwMode="auto">
-            <a:xfrm>
-              <a:off x="11644642" y="334376"/>
-              <a:ext cx="275896" cy="226185"/>
-            </a:xfrm>
-            <a:custGeom>
-              <a:avLst/>
-              <a:gdLst/>
-              <a:ahLst/>
-              <a:cxnLst>
-                <a:cxn ang="0">
-                  <a:pos x="125" y="107"/>
-                </a:cxn>
-                <a:cxn ang="0">
-                  <a:pos x="188" y="43"/>
-                </a:cxn>
-                <a:cxn ang="0">
-                  <a:pos x="141" y="0"/>
-                </a:cxn>
-                <a:cxn ang="0">
-                  <a:pos x="49" y="99"/>
-                </a:cxn>
-                <a:cxn ang="0">
-                  <a:pos x="0" y="144"/>
-                </a:cxn>
-                <a:cxn ang="0">
-                  <a:pos x="37" y="154"/>
-                </a:cxn>
-                <a:cxn ang="0">
-                  <a:pos x="125" y="125"/>
-                </a:cxn>
-                <a:cxn ang="0">
-                  <a:pos x="81" y="86"/>
-                </a:cxn>
-                <a:cxn ang="0">
-                  <a:pos x="125" y="107"/>
-                </a:cxn>
-              </a:cxnLst>
-              <a:rect l="0" t="0" r="r" b="b"/>
-              <a:pathLst>
-                <a:path w="188" h="154">
-                  <a:moveTo>
-                    <a:pt x="125" y="107"/>
-                  </a:moveTo>
-                  <a:cubicBezTo>
-                    <a:pt x="160" y="107"/>
-                    <a:pt x="188" y="78"/>
-                    <a:pt x="188" y="43"/>
-                  </a:cubicBezTo>
-                  <a:cubicBezTo>
-                    <a:pt x="186" y="28"/>
-                    <a:pt x="181" y="0"/>
-                    <a:pt x="141" y="0"/>
-                  </a:cubicBezTo>
-                  <a:cubicBezTo>
-                    <a:pt x="99" y="0"/>
-                    <a:pt x="84" y="60"/>
-                    <a:pt x="49" y="99"/>
-                  </a:cubicBezTo>
-                  <a:cubicBezTo>
-                    <a:pt x="47" y="121"/>
-                    <a:pt x="26" y="140"/>
-                    <a:pt x="0" y="144"/>
-                  </a:cubicBezTo>
-                  <a:cubicBezTo>
-                    <a:pt x="6" y="150"/>
-                    <a:pt x="20" y="154"/>
-                    <a:pt x="37" y="154"/>
-                  </a:cubicBezTo>
-                  <a:cubicBezTo>
-                    <a:pt x="68" y="154"/>
-                    <a:pt x="106" y="145"/>
-                    <a:pt x="125" y="125"/>
-                  </a:cubicBezTo>
-                  <a:cubicBezTo>
-                    <a:pt x="99" y="126"/>
-                    <a:pt x="82" y="109"/>
-                    <a:pt x="81" y="86"/>
-                  </a:cubicBezTo>
-                  <a:cubicBezTo>
-                    <a:pt x="93" y="101"/>
-                    <a:pt x="108" y="107"/>
-                    <a:pt x="125" y="107"/>
-                  </a:cubicBezTo>
-                </a:path>
-              </a:pathLst>
-            </a:custGeom>
-            <a:solidFill>
-              <a:srgbClr val="12ABDB"/>
-            </a:solidFill>
-            <a:ln w="9525">
-              <a:noFill/>
-              <a:round/>
-              <a:headEnd/>
-              <a:tailEnd/>
-            </a:ln>
-          </p:spPr>
-          <p:txBody>
-            <a:bodyPr vert="horz" wrap="square" lIns="91440" tIns="45720" rIns="91440" bIns="45720" numCol="1" anchor="t" anchorCtr="0" compatLnSpc="1">
-              <a:prstTxWarp prst="textNoShape">
-                <a:avLst/>
-              </a:prstTxWarp>
-            </a:bodyPr>
-            <a:lstStyle/>
-            <a:p>
-              <a:endParaRPr lang="en-GB"/>
-            </a:p>
-          </p:txBody>
-        </p:sp>
-        <p:sp>
-          <p:nvSpPr>
-            <p:cNvPr id="4110" name="Freeform 14"/>
-            <p:cNvSpPr>
-              <a:spLocks/>
-            </p:cNvSpPr>
-            <p:nvPr userDrawn="1"/>
-          </p:nvSpPr>
-          <p:spPr bwMode="auto">
-            <a:xfrm>
-              <a:off x="11501102" y="171573"/>
-              <a:ext cx="419436" cy="356676"/>
-            </a:xfrm>
-            <a:custGeom>
-              <a:avLst/>
-              <a:gdLst/>
-              <a:ahLst/>
-              <a:cxnLst>
-                <a:cxn ang="0">
-                  <a:pos x="286" y="152"/>
-                </a:cxn>
-                <a:cxn ang="0">
-                  <a:pos x="237" y="51"/>
-                </a:cxn>
-                <a:cxn ang="0">
-                  <a:pos x="160" y="3"/>
-                </a:cxn>
-                <a:cxn ang="0">
-                  <a:pos x="153" y="0"/>
-                </a:cxn>
-                <a:cxn ang="0">
-                  <a:pos x="153" y="0"/>
-                </a:cxn>
-                <a:cxn ang="0">
-                  <a:pos x="0" y="158"/>
-                </a:cxn>
-                <a:cxn ang="0">
-                  <a:pos x="53" y="236"/>
-                </a:cxn>
-                <a:cxn ang="0">
-                  <a:pos x="107" y="237"/>
-                </a:cxn>
-                <a:cxn ang="0">
-                  <a:pos x="147" y="210"/>
-                </a:cxn>
-                <a:cxn ang="0">
-                  <a:pos x="239" y="111"/>
-                </a:cxn>
-                <a:cxn ang="0">
-                  <a:pos x="286" y="154"/>
-                </a:cxn>
-                <a:cxn ang="0">
-                  <a:pos x="286" y="152"/>
-                </a:cxn>
-              </a:cxnLst>
-              <a:rect l="0" t="0" r="r" b="b"/>
-              <a:pathLst>
-                <a:path w="286" h="243">
-                  <a:moveTo>
-                    <a:pt x="286" y="152"/>
-                  </a:moveTo>
-                  <a:cubicBezTo>
-                    <a:pt x="286" y="112"/>
-                    <a:pt x="266" y="78"/>
-                    <a:pt x="237" y="51"/>
-                  </a:cubicBezTo>
-                  <a:cubicBezTo>
-                    <a:pt x="215" y="30"/>
-                    <a:pt x="188" y="15"/>
-                    <a:pt x="160" y="3"/>
-                  </a:cubicBezTo>
-                  <a:cubicBezTo>
-                    <a:pt x="158" y="2"/>
-                    <a:pt x="156" y="1"/>
-                    <a:pt x="153" y="0"/>
-                  </a:cubicBezTo>
-                  <a:cubicBezTo>
-                    <a:pt x="153" y="0"/>
-                    <a:pt x="153" y="0"/>
-                    <a:pt x="153" y="0"/>
-                  </a:cubicBezTo>
-                  <a:cubicBezTo>
-                    <a:pt x="119" y="41"/>
-                    <a:pt x="0" y="72"/>
-                    <a:pt x="0" y="158"/>
-                  </a:cubicBezTo>
-                  <a:cubicBezTo>
-                    <a:pt x="0" y="192"/>
-                    <a:pt x="21" y="224"/>
-                    <a:pt x="53" y="236"/>
-                  </a:cubicBezTo>
-                  <a:cubicBezTo>
-                    <a:pt x="71" y="243"/>
-                    <a:pt x="89" y="243"/>
-                    <a:pt x="107" y="237"/>
-                  </a:cubicBezTo>
-                  <a:cubicBezTo>
-                    <a:pt x="123" y="232"/>
-                    <a:pt x="136" y="222"/>
-                    <a:pt x="147" y="210"/>
-                  </a:cubicBezTo>
-                  <a:cubicBezTo>
-                    <a:pt x="182" y="171"/>
-                    <a:pt x="197" y="111"/>
-                    <a:pt x="239" y="111"/>
-                  </a:cubicBezTo>
-                  <a:cubicBezTo>
-                    <a:pt x="279" y="111"/>
-                    <a:pt x="284" y="139"/>
-                    <a:pt x="286" y="154"/>
-                  </a:cubicBezTo>
-                  <a:cubicBezTo>
-                    <a:pt x="286" y="154"/>
-                    <a:pt x="286" y="153"/>
-                    <a:pt x="286" y="152"/>
-                  </a:cubicBezTo>
-                </a:path>
-              </a:pathLst>
-            </a:custGeom>
-            <a:solidFill>
-              <a:srgbClr val="0070AD"/>
-            </a:solidFill>
-            <a:ln w="9525">
-              <a:noFill/>
-              <a:round/>
-              <a:headEnd/>
-              <a:tailEnd/>
-            </a:ln>
-          </p:spPr>
-          <p:txBody>
-            <a:bodyPr vert="horz" wrap="square" lIns="91440" tIns="45720" rIns="91440" bIns="45720" numCol="1" anchor="t" anchorCtr="0" compatLnSpc="1">
-              <a:prstTxWarp prst="textNoShape">
-                <a:avLst/>
-              </a:prstTxWarp>
-            </a:bodyPr>
-            <a:lstStyle/>
-            <a:p>
-              <a:endParaRPr lang="en-GB"/>
-            </a:p>
-          </p:txBody>
-        </p:sp>
-      </p:grpSp>
       <p:sp>
         <p:nvSpPr>
           <p:cNvPr id="7" name="Retângulo 43">
@@ -5223,24 +4252,11 @@
               <a:tabLst/>
               <a:defRPr/>
             </a:pPr>
-            <a:r>
-              <a:rPr lang="en-US" dirty="0">
-                <a:solidFill>
-                  <a:schemeClr val="bg1">
-                    <a:lumMod val="65000"/>
-                  </a:schemeClr>
-                </a:solidFill>
-              </a:rPr>
-              <a:t>© Capgemini 2021. All rights reserved  </a:t>
-            </a:r>
-            <a:r>
-              <a:rPr lang="en-US" dirty="0">
-                <a:solidFill>
-                  <a:schemeClr val="accent2"/>
-                </a:solidFill>
-              </a:rPr>
-              <a:t>|</a:t>
-            </a:r>
+            <a:endParaRPr lang="en-US" dirty="0">
+              <a:solidFill>
+                <a:schemeClr val="accent2"/>
+              </a:solidFill>
+            </a:endParaRPr>
           </a:p>
         </p:txBody>
       </p:sp>
@@ -6624,10 +5640,9 @@
     <p:sldLayoutId id="2147483831" r:id="rId3"/>
     <p:sldLayoutId id="2147483833" r:id="rId4"/>
     <p:sldLayoutId id="2147483837" r:id="rId5"/>
-    <p:sldLayoutId id="2147483834" r:id="rId6"/>
-    <p:sldLayoutId id="2147483821" r:id="rId7"/>
-    <p:sldLayoutId id="2147483877" r:id="rId8"/>
-    <p:sldLayoutId id="2147483886" r:id="rId9"/>
+    <p:sldLayoutId id="2147483821" r:id="rId6"/>
+    <p:sldLayoutId id="2147483877" r:id="rId7"/>
+    <p:sldLayoutId id="2147483886" r:id="rId8"/>
   </p:sldLayoutIdLst>
   <p:txStyles>
     <p:titleStyle>
@@ -11225,6 +10240,21 @@
 </file>
 
 <file path=customXml/item1.xml><?xml version="1.0" encoding="utf-8"?>
+<?mso-contentType ?>
+<FormTemplates xmlns="http://schemas.microsoft.com/sharepoint/v3/contenttype/forms">
+  <Display>DocumentLibraryForm</Display>
+  <Edit>DocumentLibraryForm</Edit>
+  <New>DocumentLibraryForm</New>
+</FormTemplates>
+</file>
+
+<file path=customXml/item2.xml><?xml version="1.0" encoding="utf-8"?>
+<p:properties xmlns:p="http://schemas.microsoft.com/office/2006/metadata/properties" xmlns:xsi="http://www.w3.org/2001/XMLSchema-instance" xmlns:pc="http://schemas.microsoft.com/office/infopath/2007/PartnerControls">
+  <documentManagement/>
+</p:properties>
+</file>
+
+<file path=customXml/item3.xml><?xml version="1.0" encoding="utf-8"?>
 <ct:contentTypeSchema xmlns:ct="http://schemas.microsoft.com/office/2006/metadata/contentType" xmlns:ma="http://schemas.microsoft.com/office/2006/metadata/properties/metaAttributes" ct:_="" ma:_="" ma:contentTypeName="Document" ma:contentTypeID="0x010100701F777920F58F449DFE723C8ECB983A" ma:contentTypeVersion="10" ma:contentTypeDescription="Create a new document." ma:contentTypeScope="" ma:versionID="a34f216e8c15b786b813182c657c2c45">
   <xsd:schema xmlns:xsd="http://www.w3.org/2001/XMLSchema" xmlns:xs="http://www.w3.org/2001/XMLSchema" xmlns:p="http://schemas.microsoft.com/office/2006/metadata/properties" xmlns:ns2="872c2c8c-4a2d-4282-b3ae-965d5e263694" xmlns:ns3="35517446-20c8-4dbf-81a7-e8d1b5f96f52" targetNamespace="http://schemas.microsoft.com/office/2006/metadata/properties" ma:root="true" ma:fieldsID="35f86e32a74b6162c7d73e32434781eb" ns2:_="" ns3:_="">
     <xsd:import namespace="872c2c8c-4a2d-4282-b3ae-965d5e263694"/>
@@ -11429,22 +10459,24 @@
 </ct:contentTypeSchema>
 </file>
 
-<file path=customXml/item2.xml><?xml version="1.0" encoding="utf-8"?>
-<p:properties xmlns:p="http://schemas.microsoft.com/office/2006/metadata/properties" xmlns:xsi="http://www.w3.org/2001/XMLSchema-instance" xmlns:pc="http://schemas.microsoft.com/office/infopath/2007/PartnerControls">
-  <documentManagement/>
-</p:properties>
+<file path=customXml/itemProps1.xml><?xml version="1.0" encoding="utf-8"?>
+<ds:datastoreItem xmlns:ds="http://schemas.openxmlformats.org/officeDocument/2006/customXml" ds:itemID="{4FF82F8A-7197-48A9-9E14-09D2CE3002F5}">
+  <ds:schemaRefs>
+    <ds:schemaRef ds:uri="http://schemas.microsoft.com/sharepoint/v3/contenttype/forms"/>
+  </ds:schemaRefs>
+</ds:datastoreItem>
 </file>
 
-<file path=customXml/item3.xml><?xml version="1.0" encoding="utf-8"?>
-<?mso-contentType ?>
-<FormTemplates xmlns="http://schemas.microsoft.com/sharepoint/v3/contenttype/forms">
-  <Display>DocumentLibraryForm</Display>
-  <Edit>DocumentLibraryForm</Edit>
-  <New>DocumentLibraryForm</New>
-</FormTemplates>
+<file path=customXml/itemProps2.xml><?xml version="1.0" encoding="utf-8"?>
+<ds:datastoreItem xmlns:ds="http://schemas.openxmlformats.org/officeDocument/2006/customXml" ds:itemID="{91B9DA4F-39A7-4CCD-911C-D93E4729A78D}">
+  <ds:schemaRefs>
+    <ds:schemaRef ds:uri="http://schemas.microsoft.com/office/2006/metadata/properties"/>
+    <ds:schemaRef ds:uri="http://schemas.microsoft.com/office/infopath/2007/PartnerControls"/>
+  </ds:schemaRefs>
+</ds:datastoreItem>
 </file>
 
-<file path=customXml/itemProps1.xml><?xml version="1.0" encoding="utf-8"?>
+<file path=customXml/itemProps3.xml><?xml version="1.0" encoding="utf-8"?>
 <ds:datastoreItem xmlns:ds="http://schemas.openxmlformats.org/officeDocument/2006/customXml" ds:itemID="{A25857ED-9477-4115-874E-15A8038DEE51}">
   <ds:schemaRefs>
     <ds:schemaRef ds:uri="http://schemas.microsoft.com/office/2006/metadata/contentType"/>
@@ -11461,21 +10493,4 @@
     <ds:schemaRef ds:uri="http://schemas.microsoft.com/internal/obd"/>
   </ds:schemaRefs>
 </ds:datastoreItem>
-</file>
-
-<file path=customXml/itemProps2.xml><?xml version="1.0" encoding="utf-8"?>
-<ds:datastoreItem xmlns:ds="http://schemas.openxmlformats.org/officeDocument/2006/customXml" ds:itemID="{91B9DA4F-39A7-4CCD-911C-D93E4729A78D}">
-  <ds:schemaRefs>
-    <ds:schemaRef ds:uri="http://schemas.microsoft.com/office/2006/metadata/properties"/>
-    <ds:schemaRef ds:uri="http://schemas.microsoft.com/office/infopath/2007/PartnerControls"/>
-  </ds:schemaRefs>
-</ds:datastoreItem>
-</file>
-
-<file path=customXml/itemProps3.xml><?xml version="1.0" encoding="utf-8"?>
-<ds:datastoreItem xmlns:ds="http://schemas.openxmlformats.org/officeDocument/2006/customXml" ds:itemID="{4FF82F8A-7197-48A9-9E14-09D2CE3002F5}">
-  <ds:schemaRefs>
-    <ds:schemaRef ds:uri="http://schemas.microsoft.com/sharepoint/v3/contenttype/forms"/>
-  </ds:schemaRefs>
-</ds:datastoreItem>
 </file>